--- a/Slides/slides_asad_f14.pptx
+++ b/Slides/slides_asad_f14.pptx
@@ -5,10 +5,10 @@
     <p:sldMasterId id="2147483648" r:id="rId1"/>
   </p:sldMasterIdLst>
   <p:notesMasterIdLst>
-    <p:notesMasterId r:id="rId132"/>
+    <p:notesMasterId r:id="rId133"/>
   </p:notesMasterIdLst>
   <p:handoutMasterIdLst>
-    <p:handoutMasterId r:id="rId133"/>
+    <p:handoutMasterId r:id="rId134"/>
   </p:handoutMasterIdLst>
   <p:sldIdLst>
     <p:sldId id="256" r:id="rId2"/>
@@ -141,6 +141,7 @@
     <p:sldId id="504" r:id="rId129"/>
     <p:sldId id="438" r:id="rId130"/>
     <p:sldId id="481" r:id="rId131"/>
+    <p:sldId id="527" r:id="rId132"/>
   </p:sldIdLst>
   <p:sldSz cx="9144000" cy="6858000" type="screen4x3"/>
   <p:notesSz cx="7099300" cy="10234613"/>
@@ -271,7 +272,7 @@
   </p:defaultTextStyle>
   <p:extLst>
     <p:ext uri="{EFAFB233-063F-42B5-8137-9DF3F51BA10A}">
-      <p15:sldGuideLst xmlns:p15="http://schemas.microsoft.com/office/powerpoint/2012/main" xmlns="">
+      <p15:sldGuideLst xmlns:p15="http://schemas.microsoft.com/office/powerpoint/2012/main">
         <p15:guide id="1" orient="horz" pos="2160">
           <p15:clr>
             <a:srgbClr val="A4A3A4"/>
@@ -1622,11 +1623,11 @@
           <c:showPercent val="0"/>
           <c:showBubbleSize val="0"/>
         </c:dLbls>
-        <c:axId val="33799168"/>
-        <c:axId val="95480448"/>
+        <c:axId val="308050088"/>
+        <c:axId val="308050480"/>
       </c:scatterChart>
       <c:valAx>
-        <c:axId val="33799168"/>
+        <c:axId val="308050088"/>
         <c:scaling>
           <c:orientation val="minMax"/>
         </c:scaling>
@@ -1636,12 +1637,12 @@
         <c:majorTickMark val="out"/>
         <c:minorTickMark val="none"/>
         <c:tickLblPos val="nextTo"/>
-        <c:crossAx val="95480448"/>
+        <c:crossAx val="308050480"/>
         <c:crossesAt val="0"/>
         <c:crossBetween val="midCat"/>
       </c:valAx>
       <c:valAx>
-        <c:axId val="95480448"/>
+        <c:axId val="308050480"/>
         <c:scaling>
           <c:orientation val="minMax"/>
         </c:scaling>
@@ -1652,7 +1653,7 @@
         <c:majorTickMark val="out"/>
         <c:minorTickMark val="none"/>
         <c:tickLblPos val="low"/>
-        <c:crossAx val="33799168"/>
+        <c:crossAx val="308050088"/>
         <c:crosses val="autoZero"/>
         <c:crossBetween val="midCat"/>
       </c:valAx>
@@ -2744,6 +2745,100 @@
     <p:extLst>
       <p:ext uri="{BB962C8B-B14F-4D97-AF65-F5344CB8AC3E}">
         <p14:creationId xmlns:p14="http://schemas.microsoft.com/office/powerpoint/2010/main" val="830534092"/>
+      </p:ext>
+    </p:extLst>
+  </p:cSld>
+  <p:clrMapOvr>
+    <a:masterClrMapping/>
+  </p:clrMapOvr>
+</p:notes>
+</file>
+
+<file path=ppt/notesSlides/notesSlide3.xml><?xml version="1.0" encoding="utf-8"?>
+<p:notes xmlns:a="http://schemas.openxmlformats.org/drawingml/2006/main" xmlns:r="http://schemas.openxmlformats.org/officeDocument/2006/relationships" xmlns:p="http://schemas.openxmlformats.org/presentationml/2006/main">
+  <p:cSld>
+    <p:spTree>
+      <p:nvGrpSpPr>
+        <p:cNvPr id="1" name=""/>
+        <p:cNvGrpSpPr/>
+        <p:nvPr/>
+      </p:nvGrpSpPr>
+      <p:grpSpPr>
+        <a:xfrm>
+          <a:off x="0" y="0"/>
+          <a:ext cx="0" cy="0"/>
+          <a:chOff x="0" y="0"/>
+          <a:chExt cx="0" cy="0"/>
+        </a:xfrm>
+      </p:grpSpPr>
+      <p:sp>
+        <p:nvSpPr>
+          <p:cNvPr id="2" name="Slide Image Placeholder 1"/>
+          <p:cNvSpPr>
+            <a:spLocks noGrp="1" noRot="1" noChangeAspect="1"/>
+          </p:cNvSpPr>
+          <p:nvPr>
+            <p:ph type="sldImg"/>
+          </p:nvPr>
+        </p:nvSpPr>
+        <p:spPr/>
+      </p:sp>
+      <p:sp>
+        <p:nvSpPr>
+          <p:cNvPr id="3" name="Notes Placeholder 2"/>
+          <p:cNvSpPr>
+            <a:spLocks noGrp="1"/>
+          </p:cNvSpPr>
+          <p:nvPr>
+            <p:ph type="body" idx="1"/>
+          </p:nvPr>
+        </p:nvSpPr>
+        <p:spPr/>
+        <p:txBody>
+          <a:bodyPr/>
+          <a:lstStyle/>
+          <a:p>
+            <a:r>
+              <a:rPr lang="en-US" smtClean="0"/>
+              <a:t>http://www.nytimes.com/2014/07/25/us/obama-to-urge-end-to-loophole-letting-firms-shield-profits-abroad-.html</a:t>
+            </a:r>
+            <a:endParaRPr lang="en-US" dirty="0"/>
+          </a:p>
+        </p:txBody>
+      </p:sp>
+      <p:sp>
+        <p:nvSpPr>
+          <p:cNvPr id="4" name="Slide Number Placeholder 3"/>
+          <p:cNvSpPr>
+            <a:spLocks noGrp="1"/>
+          </p:cNvSpPr>
+          <p:nvPr>
+            <p:ph type="sldNum" sz="quarter" idx="10"/>
+          </p:nvPr>
+        </p:nvSpPr>
+        <p:spPr/>
+        <p:txBody>
+          <a:bodyPr/>
+          <a:lstStyle/>
+          <a:p>
+            <a:pPr>
+              <a:defRPr/>
+            </a:pPr>
+            <a:fld id="{02A2BCBA-E6B4-405F-8891-161E779F900F}" type="slidenum">
+              <a:rPr lang="en-US" smtClean="0"/>
+              <a:pPr>
+                <a:defRPr/>
+              </a:pPr>
+              <a:t>131</a:t>
+            </a:fld>
+            <a:endParaRPr lang="en-US"/>
+          </a:p>
+        </p:txBody>
+      </p:sp>
+    </p:spTree>
+    <p:extLst>
+      <p:ext uri="{BB962C8B-B14F-4D97-AF65-F5344CB8AC3E}">
+        <p14:creationId xmlns:p14="http://schemas.microsoft.com/office/powerpoint/2010/main" val="3181544318"/>
       </p:ext>
     </p:extLst>
   </p:cSld>
@@ -18082,11 +18177,7 @@
             </a:pPr>
             <a:r>
               <a:rPr lang="en-US" sz="2400" dirty="0" smtClean="0"/>
-              <a:t>Why or why not</a:t>
-            </a:r>
-            <a:r>
-              <a:rPr lang="en-US" sz="2400" dirty="0" smtClean="0"/>
-              <a:t>?</a:t>
+              <a:t>Why or why not?</a:t>
             </a:r>
           </a:p>
           <a:p>
@@ -18099,8 +18190,12 @@
               </a:spcAft>
             </a:pPr>
             <a:r>
+              <a:rPr lang="en-US" sz="2400" b="1" smtClean="0"/>
+              <a:t>***??? </a:t>
+            </a:r>
+            <a:r>
               <a:rPr lang="en-US" sz="2400" b="1" dirty="0" smtClean="0"/>
-              <a:t>??? Should corporations pay more tax? </a:t>
+              <a:t>Should corporations pay more tax? </a:t>
             </a:r>
             <a:r>
               <a:rPr lang="en-US" sz="2400" dirty="0" smtClean="0"/>
@@ -18137,6 +18232,181 @@
         </p:txBody>
       </p:sp>
     </p:spTree>
+  </p:cSld>
+  <p:clrMapOvr>
+    <a:masterClrMapping/>
+  </p:clrMapOvr>
+  <p:timing>
+    <p:tnLst>
+      <p:par>
+        <p:cTn id="1" dur="indefinite" restart="never" nodeType="tmRoot"/>
+      </p:par>
+    </p:tnLst>
+  </p:timing>
+</p:sld>
+</file>
+
+<file path=ppt/slides/slide131.xml><?xml version="1.0" encoding="utf-8"?>
+<p:sld xmlns:a="http://schemas.openxmlformats.org/drawingml/2006/main" xmlns:r="http://schemas.openxmlformats.org/officeDocument/2006/relationships" xmlns:p="http://schemas.openxmlformats.org/presentationml/2006/main">
+  <p:cSld>
+    <p:spTree>
+      <p:nvGrpSpPr>
+        <p:cNvPr id="1" name=""/>
+        <p:cNvGrpSpPr/>
+        <p:nvPr/>
+      </p:nvGrpSpPr>
+      <p:grpSpPr>
+        <a:xfrm>
+          <a:off x="0" y="0"/>
+          <a:ext cx="0" cy="0"/>
+          <a:chOff x="0" y="0"/>
+          <a:chExt cx="0" cy="0"/>
+        </a:xfrm>
+      </p:grpSpPr>
+      <p:sp>
+        <p:nvSpPr>
+          <p:cNvPr id="24578" name="Rectangle 2"/>
+          <p:cNvSpPr>
+            <a:spLocks noGrp="1" noChangeArrowheads="1"/>
+          </p:cNvSpPr>
+          <p:nvPr>
+            <p:ph type="title"/>
+          </p:nvPr>
+        </p:nvSpPr>
+        <p:spPr/>
+        <p:txBody>
+          <a:bodyPr/>
+          <a:lstStyle/>
+          <a:p>
+            <a:pPr algn="l" eaLnBrk="1" hangingPunct="1"/>
+            <a:r>
+              <a:rPr lang="en-US" dirty="0" smtClean="0"/>
+              <a:t>For the ride home</a:t>
+            </a:r>
+          </a:p>
+        </p:txBody>
+      </p:sp>
+      <p:sp>
+        <p:nvSpPr>
+          <p:cNvPr id="24579" name="Rectangle 3"/>
+          <p:cNvSpPr>
+            <a:spLocks noGrp="1" noChangeArrowheads="1"/>
+          </p:cNvSpPr>
+          <p:nvPr>
+            <p:ph type="body" idx="1"/>
+          </p:nvPr>
+        </p:nvSpPr>
+        <p:spPr>
+          <a:xfrm>
+            <a:off x="457200" y="1524000"/>
+            <a:ext cx="8458200" cy="4525963"/>
+          </a:xfrm>
+        </p:spPr>
+        <p:txBody>
+          <a:bodyPr/>
+          <a:lstStyle/>
+          <a:p>
+            <a:pPr eaLnBrk="1" hangingPunct="1">
+              <a:spcBef>
+                <a:spcPts val="1200"/>
+              </a:spcBef>
+            </a:pPr>
+            <a:r>
+              <a:rPr lang="en-US" sz="2400" dirty="0" smtClean="0"/>
+              <a:t>Should </a:t>
+            </a:r>
+            <a:r>
+              <a:rPr lang="en-US" sz="2400" dirty="0" smtClean="0"/>
+              <a:t>corporations pay more tax? </a:t>
+            </a:r>
+          </a:p>
+          <a:p>
+            <a:pPr eaLnBrk="1" hangingPunct="1">
+              <a:spcBef>
+                <a:spcPts val="1200"/>
+              </a:spcBef>
+            </a:pPr>
+            <a:r>
+              <a:rPr lang="en-US" sz="2400" dirty="0" smtClean="0"/>
+              <a:t>Should we outlaw “inversions” that give firms a foreign headquarters? ??</a:t>
+            </a:r>
+            <a:endParaRPr lang="en-US" sz="2400" dirty="0" smtClean="0"/>
+          </a:p>
+          <a:p>
+            <a:pPr lvl="1" eaLnBrk="1" hangingPunct="1">
+              <a:spcBef>
+                <a:spcPts val="1200"/>
+              </a:spcBef>
+              <a:spcAft>
+                <a:spcPts val="600"/>
+              </a:spcAft>
+            </a:pPr>
+            <a:r>
+              <a:rPr lang="en-US" sz="2000" dirty="0"/>
+              <a:t>President Obama on Thursday called for Congress to strip away tax advantages that have encouraged a rush of mergers and acquisitions that give companies an overseas base while they maintain their presence in the United States</a:t>
+            </a:r>
+            <a:r>
+              <a:rPr lang="en-US" sz="2000" dirty="0" smtClean="0"/>
+              <a:t>.</a:t>
+            </a:r>
+          </a:p>
+          <a:p>
+            <a:pPr lvl="1" eaLnBrk="1" hangingPunct="1">
+              <a:spcBef>
+                <a:spcPts val="1200"/>
+              </a:spcBef>
+              <a:spcAft>
+                <a:spcPts val="600"/>
+              </a:spcAft>
+            </a:pPr>
+            <a:r>
+              <a:rPr lang="en-US" sz="2000" dirty="0"/>
+              <a:t>“I don’t care if it’s legal — it’s </a:t>
+            </a:r>
+            <a:r>
+              <a:rPr lang="en-US" sz="2000" dirty="0" smtClean="0"/>
+              <a:t>wrong.”</a:t>
+            </a:r>
+            <a:r>
+              <a:rPr lang="en-US" sz="2000" dirty="0" smtClean="0"/>
+              <a:t>  </a:t>
+            </a:r>
+            <a:endParaRPr lang="en-US" sz="2000" dirty="0" smtClean="0"/>
+          </a:p>
+        </p:txBody>
+      </p:sp>
+      <p:sp>
+        <p:nvSpPr>
+          <p:cNvPr id="24580" name="Slide Number Placeholder 5"/>
+          <p:cNvSpPr>
+            <a:spLocks noGrp="1"/>
+          </p:cNvSpPr>
+          <p:nvPr>
+            <p:ph type="sldNum" sz="quarter" idx="12"/>
+          </p:nvPr>
+        </p:nvSpPr>
+        <p:spPr>
+          <a:noFill/>
+        </p:spPr>
+        <p:txBody>
+          <a:bodyPr/>
+          <a:lstStyle/>
+          <a:p>
+            <a:fld id="{DB112A8C-B14B-43CD-A323-93992F50384C}" type="slidenum">
+              <a:rPr lang="en-US" smtClean="0"/>
+              <a:pPr/>
+              <a:t>131</a:t>
+            </a:fld>
+            <a:endParaRPr lang="en-US" smtClean="0"/>
+          </a:p>
+        </p:txBody>
+      </p:sp>
+    </p:spTree>
+    <p:extLst>
+      <p:ext uri="{BB962C8B-B14F-4D97-AF65-F5344CB8AC3E}">
+        <p14:creationId xmlns:p14="http://schemas.microsoft.com/office/powerpoint/2010/main" val="554823501"/>
+      </p:ext>
+    </p:extLst>
   </p:cSld>
   <p:clrMapOvr>
     <a:masterClrMapping/>
